--- a/reference_content/Slides/spatial.pptx
+++ b/reference_content/Slides/spatial.pptx
@@ -28,9 +28,12 @@
     <p:sldId id="263" r:id="rId22"/>
     <p:sldId id="266" r:id="rId23"/>
     <p:sldId id="265" r:id="rId24"/>
-    <p:sldId id="277" r:id="rId25"/>
-    <p:sldId id="287" r:id="rId26"/>
-    <p:sldId id="288" r:id="rId27"/>
+    <p:sldId id="293" r:id="rId25"/>
+    <p:sldId id="294" r:id="rId26"/>
+    <p:sldId id="295" r:id="rId27"/>
+    <p:sldId id="277" r:id="rId28"/>
+    <p:sldId id="287" r:id="rId29"/>
+    <p:sldId id="288" r:id="rId30"/>
   </p:sldIdLst>
   <p:sldSz cx="12192000" cy="6858000"/>
   <p:notesSz cx="6858000" cy="9144000"/>
@@ -276,7 +279,7 @@
           <a:p>
             <a:fld id="{64D57B00-29D9-8D49-8BE6-64C195F64337}" type="datetimeFigureOut">
               <a:rPr lang="en-US" smtClean="0"/>
-              <a:t>3/12/24</a:t>
+              <a:t>2/3/26</a:t>
             </a:fld>
             <a:endParaRPr lang="en-US"/>
           </a:p>
@@ -487,7 +490,7 @@
           <a:p>
             <a:fld id="{64D57B00-29D9-8D49-8BE6-64C195F64337}" type="datetimeFigureOut">
               <a:rPr lang="en-US" smtClean="0"/>
-              <a:t>3/12/24</a:t>
+              <a:t>2/3/26</a:t>
             </a:fld>
             <a:endParaRPr lang="en-US"/>
           </a:p>
@@ -702,7 +705,7 @@
           <a:p>
             <a:fld id="{64D57B00-29D9-8D49-8BE6-64C195F64337}" type="datetimeFigureOut">
               <a:rPr lang="en-US" smtClean="0"/>
-              <a:t>3/12/24</a:t>
+              <a:t>2/3/26</a:t>
             </a:fld>
             <a:endParaRPr lang="en-US"/>
           </a:p>
@@ -903,7 +906,7 @@
           <a:p>
             <a:fld id="{64D57B00-29D9-8D49-8BE6-64C195F64337}" type="datetimeFigureOut">
               <a:rPr lang="en-US" smtClean="0"/>
-              <a:t>3/12/24</a:t>
+              <a:t>2/3/26</a:t>
             </a:fld>
             <a:endParaRPr lang="en-US"/>
           </a:p>
@@ -1182,7 +1185,7 @@
           <a:p>
             <a:fld id="{64D57B00-29D9-8D49-8BE6-64C195F64337}" type="datetimeFigureOut">
               <a:rPr lang="en-US" smtClean="0"/>
-              <a:t>3/12/24</a:t>
+              <a:t>2/3/26</a:t>
             </a:fld>
             <a:endParaRPr lang="en-US"/>
           </a:p>
@@ -1450,7 +1453,7 @@
           <a:p>
             <a:fld id="{64D57B00-29D9-8D49-8BE6-64C195F64337}" type="datetimeFigureOut">
               <a:rPr lang="en-US" smtClean="0"/>
-              <a:t>3/12/24</a:t>
+              <a:t>2/3/26</a:t>
             </a:fld>
             <a:endParaRPr lang="en-US"/>
           </a:p>
@@ -1866,7 +1869,7 @@
           <a:p>
             <a:fld id="{64D57B00-29D9-8D49-8BE6-64C195F64337}" type="datetimeFigureOut">
               <a:rPr lang="en-US" smtClean="0"/>
-              <a:t>3/12/24</a:t>
+              <a:t>2/3/26</a:t>
             </a:fld>
             <a:endParaRPr lang="en-US"/>
           </a:p>
@@ -2015,7 +2018,7 @@
           <a:p>
             <a:fld id="{64D57B00-29D9-8D49-8BE6-64C195F64337}" type="datetimeFigureOut">
               <a:rPr lang="en-US" smtClean="0"/>
-              <a:t>3/12/24</a:t>
+              <a:t>2/3/26</a:t>
             </a:fld>
             <a:endParaRPr lang="en-US"/>
           </a:p>
@@ -2141,7 +2144,7 @@
           <a:p>
             <a:fld id="{64D57B00-29D9-8D49-8BE6-64C195F64337}" type="datetimeFigureOut">
               <a:rPr lang="en-US" smtClean="0"/>
-              <a:t>3/12/24</a:t>
+              <a:t>2/3/26</a:t>
             </a:fld>
             <a:endParaRPr lang="en-US"/>
           </a:p>
@@ -2392,7 +2395,7 @@
           <a:p>
             <a:fld id="{64D57B00-29D9-8D49-8BE6-64C195F64337}" type="datetimeFigureOut">
               <a:rPr lang="en-US" smtClean="0"/>
-              <a:t>3/12/24</a:t>
+              <a:t>2/3/26</a:t>
             </a:fld>
             <a:endParaRPr lang="en-US"/>
           </a:p>
@@ -2837,7 +2840,7 @@
           <a:p>
             <a:fld id="{64D57B00-29D9-8D49-8BE6-64C195F64337}" type="datetimeFigureOut">
               <a:rPr lang="en-US" smtClean="0"/>
-              <a:t>3/12/24</a:t>
+              <a:t>2/3/26</a:t>
             </a:fld>
             <a:endParaRPr lang="en-US"/>
           </a:p>
@@ -3004,6 +3007,13 @@
             <a:schemeClr val="lt1"/>
           </a:fontRef>
         </p:style>
+        <p:txBody>
+          <a:bodyPr/>
+          <a:lstStyle/>
+          <a:p>
+            <a:endParaRPr lang="en-US"/>
+          </a:p>
+        </p:txBody>
       </p:sp>
       <p:pic>
         <p:nvPicPr>
@@ -3164,7 +3174,7 @@
           <a:p>
             <a:fld id="{64D57B00-29D9-8D49-8BE6-64C195F64337}" type="datetimeFigureOut">
               <a:rPr lang="en-US" smtClean="0"/>
-              <a:t>3/12/24</a:t>
+              <a:t>2/3/26</a:t>
             </a:fld>
             <a:endParaRPr lang="en-US"/>
           </a:p>
@@ -6096,6 +6106,483 @@
           <p:cNvPr id="2" name="Title 1">
             <a:extLst>
               <a:ext uri="{FF2B5EF4-FFF2-40B4-BE49-F238E27FC236}">
+                <a16:creationId xmlns:a16="http://schemas.microsoft.com/office/drawing/2014/main" id="{A2722BD9-DDE2-7935-A53A-0BD8D4A089C8}"/>
+              </a:ext>
+            </a:extLst>
+          </p:cNvPr>
+          <p:cNvSpPr>
+            <a:spLocks noGrp="1"/>
+          </p:cNvSpPr>
+          <p:nvPr>
+            <p:ph type="title"/>
+          </p:nvPr>
+        </p:nvSpPr>
+        <p:spPr>
+          <a:xfrm>
+            <a:off x="1453019" y="804519"/>
+            <a:ext cx="10738981" cy="1049235"/>
+          </a:xfrm>
+        </p:spPr>
+        <p:txBody>
+          <a:bodyPr/>
+          <a:lstStyle/>
+          <a:p>
+            <a:r>
+              <a:rPr lang="en-US" dirty="0"/>
+              <a:t>CRS – Coordinate Reference System</a:t>
+            </a:r>
+          </a:p>
+        </p:txBody>
+      </p:sp>
+      <p:sp>
+        <p:nvSpPr>
+          <p:cNvPr id="3" name="Content Placeholder 2">
+            <a:extLst>
+              <a:ext uri="{FF2B5EF4-FFF2-40B4-BE49-F238E27FC236}">
+                <a16:creationId xmlns:a16="http://schemas.microsoft.com/office/drawing/2014/main" id="{B4FBA6FE-789D-9D3A-C319-F6DC9DE5C459}"/>
+              </a:ext>
+            </a:extLst>
+          </p:cNvPr>
+          <p:cNvSpPr>
+            <a:spLocks noGrp="1"/>
+          </p:cNvSpPr>
+          <p:nvPr>
+            <p:ph idx="1"/>
+          </p:nvPr>
+        </p:nvSpPr>
+        <p:spPr>
+          <a:xfrm>
+            <a:off x="4880168" y="2015732"/>
+            <a:ext cx="7311832" cy="3896553"/>
+          </a:xfrm>
+        </p:spPr>
+        <p:txBody>
+          <a:bodyPr/>
+          <a:lstStyle/>
+          <a:p>
+            <a:r>
+              <a:rPr lang="en-US" dirty="0"/>
+              <a:t>One annoying thing about spatial data is the CRS. </a:t>
+            </a:r>
+          </a:p>
+          <a:p>
+            <a:r>
+              <a:rPr lang="en-US" dirty="0"/>
+              <a:t>CRS is the method of encoding locations in 3D to numbers. </a:t>
+            </a:r>
+          </a:p>
+          <a:p>
+            <a:pPr lvl="1"/>
+            <a:r>
+              <a:rPr lang="en-US" dirty="0"/>
+              <a:t>Akin to the different map projections. </a:t>
+            </a:r>
+          </a:p>
+          <a:p>
+            <a:r>
+              <a:rPr lang="en-US" dirty="0"/>
+              <a:t>There are several different standards. </a:t>
+            </a:r>
+          </a:p>
+          <a:p>
+            <a:r>
+              <a:rPr lang="en-US" dirty="0"/>
+              <a:t>Each dataset we get ‘uses’ one. </a:t>
+            </a:r>
+          </a:p>
+          <a:p>
+            <a:pPr lvl="1"/>
+            <a:r>
+              <a:rPr lang="en-US" dirty="0"/>
+              <a:t>We need to make sure the </a:t>
+            </a:r>
+            <a:r>
+              <a:rPr lang="en-US" dirty="0" err="1"/>
+              <a:t>geopandas</a:t>
+            </a:r>
+            <a:r>
+              <a:rPr lang="en-US" dirty="0"/>
+              <a:t> </a:t>
+            </a:r>
+            <a:r>
+              <a:rPr lang="en-US" dirty="0" err="1"/>
+              <a:t>df</a:t>
+            </a:r>
+            <a:r>
+              <a:rPr lang="en-US" dirty="0"/>
+              <a:t> is set with the CRS. </a:t>
+            </a:r>
+          </a:p>
+          <a:p>
+            <a:r>
+              <a:rPr lang="en-US" dirty="0"/>
+              <a:t>We can usually get it from the data dictionary. </a:t>
+            </a:r>
+          </a:p>
+        </p:txBody>
+      </p:sp>
+      <p:pic>
+        <p:nvPicPr>
+          <p:cNvPr id="6" name="Picture 5" descr="../../_images/projection_families.png">
+            <a:extLst>
+              <a:ext uri="{FF2B5EF4-FFF2-40B4-BE49-F238E27FC236}">
+                <a16:creationId xmlns:a16="http://schemas.microsoft.com/office/drawing/2014/main" id="{B0043787-F627-205F-D3A8-113DD51D364A}"/>
+              </a:ext>
+            </a:extLst>
+          </p:cNvPr>
+          <p:cNvPicPr>
+            <a:picLocks noChangeAspect="1"/>
+          </p:cNvPicPr>
+          <p:nvPr/>
+        </p:nvPicPr>
+        <p:blipFill>
+          <a:blip r:embed="rId2"/>
+          <a:stretch>
+            <a:fillRect/>
+          </a:stretch>
+        </p:blipFill>
+        <p:spPr>
+          <a:xfrm>
+            <a:off x="-1" y="1900254"/>
+            <a:ext cx="4859033" cy="3723931"/>
+          </a:xfrm>
+          <a:prstGeom prst="rect">
+            <a:avLst/>
+          </a:prstGeom>
+        </p:spPr>
+      </p:pic>
+    </p:spTree>
+    <p:extLst>
+      <p:ext uri="{BB962C8B-B14F-4D97-AF65-F5344CB8AC3E}">
+        <p14:creationId xmlns:p14="http://schemas.microsoft.com/office/powerpoint/2010/main" val="1351357230"/>
+      </p:ext>
+    </p:extLst>
+  </p:cSld>
+  <p:clrMapOvr>
+    <a:masterClrMapping/>
+  </p:clrMapOvr>
+</p:sld>
+</file>
+
+<file path=ppt/slides/slide25.xml><?xml version="1.0" encoding="utf-8"?>
+<p:sld xmlns:a="http://schemas.openxmlformats.org/drawingml/2006/main" xmlns:r="http://schemas.openxmlformats.org/officeDocument/2006/relationships" xmlns:p="http://schemas.openxmlformats.org/presentationml/2006/main">
+  <p:cSld>
+    <p:spTree>
+      <p:nvGrpSpPr>
+        <p:cNvPr id="1" name=""/>
+        <p:cNvGrpSpPr/>
+        <p:nvPr/>
+      </p:nvGrpSpPr>
+      <p:grpSpPr>
+        <a:xfrm>
+          <a:off x="0" y="0"/>
+          <a:ext cx="0" cy="0"/>
+          <a:chOff x="0" y="0"/>
+          <a:chExt cx="0" cy="0"/>
+        </a:xfrm>
+      </p:grpSpPr>
+      <p:sp>
+        <p:nvSpPr>
+          <p:cNvPr id="2" name="Title 1">
+            <a:extLst>
+              <a:ext uri="{FF2B5EF4-FFF2-40B4-BE49-F238E27FC236}">
+                <a16:creationId xmlns:a16="http://schemas.microsoft.com/office/drawing/2014/main" id="{FE62E5E9-A3CA-5A20-BBC4-6053A06669CA}"/>
+              </a:ext>
+            </a:extLst>
+          </p:cNvPr>
+          <p:cNvSpPr>
+            <a:spLocks noGrp="1"/>
+          </p:cNvSpPr>
+          <p:nvPr>
+            <p:ph type="title"/>
+          </p:nvPr>
+        </p:nvSpPr>
+        <p:spPr/>
+        <p:txBody>
+          <a:bodyPr/>
+          <a:lstStyle/>
+          <a:p>
+            <a:r>
+              <a:rPr lang="en-US" dirty="0"/>
+              <a:t>CRS and Calculations</a:t>
+            </a:r>
+          </a:p>
+        </p:txBody>
+      </p:sp>
+      <p:sp>
+        <p:nvSpPr>
+          <p:cNvPr id="3" name="Content Placeholder 2">
+            <a:extLst>
+              <a:ext uri="{FF2B5EF4-FFF2-40B4-BE49-F238E27FC236}">
+                <a16:creationId xmlns:a16="http://schemas.microsoft.com/office/drawing/2014/main" id="{D3B8B434-FF3F-1FB9-47E5-9315346D8C7E}"/>
+              </a:ext>
+            </a:extLst>
+          </p:cNvPr>
+          <p:cNvSpPr>
+            <a:spLocks noGrp="1"/>
+          </p:cNvSpPr>
+          <p:nvPr>
+            <p:ph idx="1"/>
+          </p:nvPr>
+        </p:nvSpPr>
+        <p:spPr>
+          <a:xfrm>
+            <a:off x="1451579" y="1853754"/>
+            <a:ext cx="9603275" cy="4199727"/>
+          </a:xfrm>
+        </p:spPr>
+        <p:txBody>
+          <a:bodyPr/>
+          <a:lstStyle/>
+          <a:p>
+            <a:r>
+              <a:rPr lang="en-US" dirty="0"/>
+              <a:t>There are two basic types of CRS:</a:t>
+            </a:r>
+          </a:p>
+          <a:p>
+            <a:pPr lvl="1"/>
+            <a:r>
+              <a:rPr lang="en-US" dirty="0"/>
+              <a:t>Geographic – maintains angular properties. Good for mapping or things like weather. </a:t>
+            </a:r>
+          </a:p>
+          <a:p>
+            <a:pPr lvl="1"/>
+            <a:r>
+              <a:rPr lang="en-US" dirty="0"/>
+              <a:t>Projected – maintains linear distance. Good for calculations on the data. </a:t>
+            </a:r>
+          </a:p>
+          <a:p>
+            <a:r>
+              <a:rPr lang="en-US" dirty="0"/>
+              <a:t>We generally want/need to convert to a projected CRS to calculate stuff. </a:t>
+            </a:r>
+          </a:p>
+          <a:p>
+            <a:pPr lvl="1"/>
+            <a:r>
+              <a:rPr lang="en-US" dirty="0"/>
+              <a:t>This is pretty easy with “</a:t>
+            </a:r>
+            <a:r>
+              <a:rPr lang="en-US" dirty="0" err="1"/>
+              <a:t>to_crs</a:t>
+            </a:r>
+            <a:r>
+              <a:rPr lang="en-US" dirty="0"/>
+              <a:t>()” that will project to any other CRS. </a:t>
+            </a:r>
+          </a:p>
+          <a:p>
+            <a:pPr lvl="1"/>
+            <a:r>
+              <a:rPr lang="en-US" dirty="0"/>
+              <a:t>If calculating stuff with an angular CRS, the results may be off. </a:t>
+            </a:r>
+          </a:p>
+          <a:p>
+            <a:pPr lvl="1"/>
+            <a:r>
+              <a:rPr lang="en-US" dirty="0"/>
+              <a:t>GPD will often give warnings if we try to calculate with the wrong CRS. </a:t>
+            </a:r>
+          </a:p>
+          <a:p>
+            <a:r>
+              <a:rPr lang="en-US" dirty="0"/>
+              <a:t>CRS should be the same when joining or calculating on datasets. </a:t>
+            </a:r>
+          </a:p>
+        </p:txBody>
+      </p:sp>
+    </p:spTree>
+    <p:extLst>
+      <p:ext uri="{BB962C8B-B14F-4D97-AF65-F5344CB8AC3E}">
+        <p14:creationId xmlns:p14="http://schemas.microsoft.com/office/powerpoint/2010/main" val="150713492"/>
+      </p:ext>
+    </p:extLst>
+  </p:cSld>
+  <p:clrMapOvr>
+    <a:masterClrMapping/>
+  </p:clrMapOvr>
+</p:sld>
+</file>
+
+<file path=ppt/slides/slide26.xml><?xml version="1.0" encoding="utf-8"?>
+<p:sld xmlns:a="http://schemas.openxmlformats.org/drawingml/2006/main" xmlns:r="http://schemas.openxmlformats.org/officeDocument/2006/relationships" xmlns:p="http://schemas.openxmlformats.org/presentationml/2006/main">
+  <p:cSld>
+    <p:spTree>
+      <p:nvGrpSpPr>
+        <p:cNvPr id="1" name=""/>
+        <p:cNvGrpSpPr/>
+        <p:nvPr/>
+      </p:nvGrpSpPr>
+      <p:grpSpPr>
+        <a:xfrm>
+          <a:off x="0" y="0"/>
+          <a:ext cx="0" cy="0"/>
+          <a:chOff x="0" y="0"/>
+          <a:chExt cx="0" cy="0"/>
+        </a:xfrm>
+      </p:grpSpPr>
+      <p:sp>
+        <p:nvSpPr>
+          <p:cNvPr id="2" name="Title 1">
+            <a:extLst>
+              <a:ext uri="{FF2B5EF4-FFF2-40B4-BE49-F238E27FC236}">
+                <a16:creationId xmlns:a16="http://schemas.microsoft.com/office/drawing/2014/main" id="{E100F77D-A5C5-A167-B506-D9C0989C22D9}"/>
+              </a:ext>
+            </a:extLst>
+          </p:cNvPr>
+          <p:cNvSpPr>
+            <a:spLocks noGrp="1"/>
+          </p:cNvSpPr>
+          <p:nvPr>
+            <p:ph type="title"/>
+          </p:nvPr>
+        </p:nvSpPr>
+        <p:spPr/>
+        <p:txBody>
+          <a:bodyPr/>
+          <a:lstStyle/>
+          <a:p>
+            <a:r>
+              <a:rPr lang="en-US" dirty="0"/>
+              <a:t>Spatial Operations</a:t>
+            </a:r>
+          </a:p>
+        </p:txBody>
+      </p:sp>
+      <p:sp>
+        <p:nvSpPr>
+          <p:cNvPr id="3" name="Content Placeholder 2">
+            <a:extLst>
+              <a:ext uri="{FF2B5EF4-FFF2-40B4-BE49-F238E27FC236}">
+                <a16:creationId xmlns:a16="http://schemas.microsoft.com/office/drawing/2014/main" id="{CECAA4CC-83EC-7BF1-3B7B-66A392820D7E}"/>
+              </a:ext>
+            </a:extLst>
+          </p:cNvPr>
+          <p:cNvSpPr>
+            <a:spLocks noGrp="1"/>
+          </p:cNvSpPr>
+          <p:nvPr>
+            <p:ph idx="1"/>
+          </p:nvPr>
+        </p:nvSpPr>
+        <p:spPr>
+          <a:xfrm>
+            <a:off x="1451579" y="1941534"/>
+            <a:ext cx="9603275" cy="4111947"/>
+          </a:xfrm>
+        </p:spPr>
+        <p:txBody>
+          <a:bodyPr/>
+          <a:lstStyle/>
+          <a:p>
+            <a:r>
+              <a:rPr lang="en-US" dirty="0" err="1"/>
+              <a:t>Geopandas</a:t>
+            </a:r>
+            <a:r>
+              <a:rPr lang="en-US" dirty="0"/>
+              <a:t> allows us to do most calculations in a way that looks like simple geometry. </a:t>
+            </a:r>
+          </a:p>
+          <a:p>
+            <a:pPr lvl="1"/>
+            <a:r>
+              <a:rPr lang="en-US" dirty="0"/>
+              <a:t>Distance. </a:t>
+            </a:r>
+          </a:p>
+          <a:p>
+            <a:pPr lvl="1"/>
+            <a:r>
+              <a:rPr lang="en-US" dirty="0"/>
+              <a:t>Intersection. </a:t>
+            </a:r>
+          </a:p>
+          <a:p>
+            <a:pPr lvl="1"/>
+            <a:r>
+              <a:rPr lang="en-US" dirty="0"/>
+              <a:t>Buffer (around a point/perimeter). </a:t>
+            </a:r>
+          </a:p>
+          <a:p>
+            <a:pPr lvl="1"/>
+            <a:r>
+              <a:rPr lang="en-US" dirty="0"/>
+              <a:t>Area. </a:t>
+            </a:r>
+          </a:p>
+          <a:p>
+            <a:pPr lvl="1"/>
+            <a:r>
+              <a:rPr lang="en-US" dirty="0"/>
+              <a:t>Perimeter. </a:t>
+            </a:r>
+          </a:p>
+          <a:p>
+            <a:pPr lvl="1"/>
+            <a:r>
+              <a:rPr lang="en-US" dirty="0"/>
+              <a:t>Touching. </a:t>
+            </a:r>
+          </a:p>
+          <a:p>
+            <a:r>
+              <a:rPr lang="en-US" dirty="0"/>
+              <a:t>Once a gpd </a:t>
+            </a:r>
+            <a:r>
+              <a:rPr lang="en-US" dirty="0" err="1"/>
+              <a:t>df</a:t>
+            </a:r>
+            <a:r>
+              <a:rPr lang="en-US" dirty="0"/>
+              <a:t> is setup, this stuff is all done with a simple operation. </a:t>
+            </a:r>
+          </a:p>
+        </p:txBody>
+      </p:sp>
+    </p:spTree>
+    <p:extLst>
+      <p:ext uri="{BB962C8B-B14F-4D97-AF65-F5344CB8AC3E}">
+        <p14:creationId xmlns:p14="http://schemas.microsoft.com/office/powerpoint/2010/main" val="1429395131"/>
+      </p:ext>
+    </p:extLst>
+  </p:cSld>
+  <p:clrMapOvr>
+    <a:masterClrMapping/>
+  </p:clrMapOvr>
+</p:sld>
+</file>
+
+<file path=ppt/slides/slide27.xml><?xml version="1.0" encoding="utf-8"?>
+<p:sld xmlns:a="http://schemas.openxmlformats.org/drawingml/2006/main" xmlns:r="http://schemas.openxmlformats.org/officeDocument/2006/relationships" xmlns:p="http://schemas.openxmlformats.org/presentationml/2006/main">
+  <p:cSld>
+    <p:spTree>
+      <p:nvGrpSpPr>
+        <p:cNvPr id="1" name=""/>
+        <p:cNvGrpSpPr/>
+        <p:nvPr/>
+      </p:nvGrpSpPr>
+      <p:grpSpPr>
+        <a:xfrm>
+          <a:off x="0" y="0"/>
+          <a:ext cx="0" cy="0"/>
+          <a:chOff x="0" y="0"/>
+          <a:chExt cx="0" cy="0"/>
+        </a:xfrm>
+      </p:grpSpPr>
+      <p:sp>
+        <p:nvSpPr>
+          <p:cNvPr id="2" name="Title 1">
+            <a:extLst>
+              <a:ext uri="{FF2B5EF4-FFF2-40B4-BE49-F238E27FC236}">
                 <a16:creationId xmlns:a16="http://schemas.microsoft.com/office/drawing/2014/main" id="{26EADFE8-F13D-6099-C3D7-24A6AFF95F21}"/>
               </a:ext>
             </a:extLst>
@@ -6279,7 +6766,7 @@
 </p:sld>
 </file>
 
-<file path=ppt/slides/slide25.xml><?xml version="1.0" encoding="utf-8"?>
+<file path=ppt/slides/slide28.xml><?xml version="1.0" encoding="utf-8"?>
 <p:sld xmlns:a="http://schemas.openxmlformats.org/drawingml/2006/main" xmlns:r="http://schemas.openxmlformats.org/officeDocument/2006/relationships" xmlns:p="http://schemas.openxmlformats.org/presentationml/2006/main">
   <p:cSld>
     <p:spTree>
@@ -6439,7 +6926,7 @@
 </p:sld>
 </file>
 
-<file path=ppt/slides/slide26.xml><?xml version="1.0" encoding="utf-8"?>
+<file path=ppt/slides/slide29.xml><?xml version="1.0" encoding="utf-8"?>
 <p:sld xmlns:a="http://schemas.openxmlformats.org/drawingml/2006/main" xmlns:r="http://schemas.openxmlformats.org/officeDocument/2006/relationships" xmlns:p="http://schemas.openxmlformats.org/presentationml/2006/main">
   <p:cSld>
     <p:spTree>
